--- a/Reports/Graphics/Final flow used.pptx
+++ b/Reports/Graphics/Final flow used.pptx
@@ -104,6 +104,11 @@
       </a:defRPr>
     </a:lvl9pPr>
   </p:defaultTextStyle>
+  <p:extLst>
+    <p:ext uri="{EFAFB233-063F-42B5-8137-9DF3F51BA10A}">
+      <p15:sldGuideLst xmlns:p15="http://schemas.microsoft.com/office/powerpoint/2012/main"/>
+    </p:ext>
+  </p:extLst>
 </p:presentation>
 </file>
 
@@ -238,7 +243,7 @@
           <a:p>
             <a:fld id="{BDC23CB4-9D80-9941-8980-33F957D66AAB}" type="datetimeFigureOut">
               <a:rPr lang="en-US" smtClean="0"/>
-              <a:t>10/16/15</a:t>
+              <a:t>10/18/15</a:t>
             </a:fld>
             <a:endParaRPr lang="en-US"/>
           </a:p>
@@ -408,7 +413,7 @@
           <a:p>
             <a:fld id="{BDC23CB4-9D80-9941-8980-33F957D66AAB}" type="datetimeFigureOut">
               <a:rPr lang="en-US" smtClean="0"/>
-              <a:t>10/16/15</a:t>
+              <a:t>10/18/15</a:t>
             </a:fld>
             <a:endParaRPr lang="en-US"/>
           </a:p>
@@ -588,7 +593,7 @@
           <a:p>
             <a:fld id="{BDC23CB4-9D80-9941-8980-33F957D66AAB}" type="datetimeFigureOut">
               <a:rPr lang="en-US" smtClean="0"/>
-              <a:t>10/16/15</a:t>
+              <a:t>10/18/15</a:t>
             </a:fld>
             <a:endParaRPr lang="en-US"/>
           </a:p>
@@ -758,7 +763,7 @@
           <a:p>
             <a:fld id="{BDC23CB4-9D80-9941-8980-33F957D66AAB}" type="datetimeFigureOut">
               <a:rPr lang="en-US" smtClean="0"/>
-              <a:t>10/16/15</a:t>
+              <a:t>10/18/15</a:t>
             </a:fld>
             <a:endParaRPr lang="en-US"/>
           </a:p>
@@ -1004,7 +1009,7 @@
           <a:p>
             <a:fld id="{BDC23CB4-9D80-9941-8980-33F957D66AAB}" type="datetimeFigureOut">
               <a:rPr lang="en-US" smtClean="0"/>
-              <a:t>10/16/15</a:t>
+              <a:t>10/18/15</a:t>
             </a:fld>
             <a:endParaRPr lang="en-US"/>
           </a:p>
@@ -1236,7 +1241,7 @@
           <a:p>
             <a:fld id="{BDC23CB4-9D80-9941-8980-33F957D66AAB}" type="datetimeFigureOut">
               <a:rPr lang="en-US" smtClean="0"/>
-              <a:t>10/16/15</a:t>
+              <a:t>10/18/15</a:t>
             </a:fld>
             <a:endParaRPr lang="en-US"/>
           </a:p>
@@ -1603,7 +1608,7 @@
           <a:p>
             <a:fld id="{BDC23CB4-9D80-9941-8980-33F957D66AAB}" type="datetimeFigureOut">
               <a:rPr lang="en-US" smtClean="0"/>
-              <a:t>10/16/15</a:t>
+              <a:t>10/18/15</a:t>
             </a:fld>
             <a:endParaRPr lang="en-US"/>
           </a:p>
@@ -1721,7 +1726,7 @@
           <a:p>
             <a:fld id="{BDC23CB4-9D80-9941-8980-33F957D66AAB}" type="datetimeFigureOut">
               <a:rPr lang="en-US" smtClean="0"/>
-              <a:t>10/16/15</a:t>
+              <a:t>10/18/15</a:t>
             </a:fld>
             <a:endParaRPr lang="en-US"/>
           </a:p>
@@ -1816,7 +1821,7 @@
           <a:p>
             <a:fld id="{BDC23CB4-9D80-9941-8980-33F957D66AAB}" type="datetimeFigureOut">
               <a:rPr lang="en-US" smtClean="0"/>
-              <a:t>10/16/15</a:t>
+              <a:t>10/18/15</a:t>
             </a:fld>
             <a:endParaRPr lang="en-US"/>
           </a:p>
@@ -2093,7 +2098,7 @@
           <a:p>
             <a:fld id="{BDC23CB4-9D80-9941-8980-33F957D66AAB}" type="datetimeFigureOut">
               <a:rPr lang="en-US" smtClean="0"/>
-              <a:t>10/16/15</a:t>
+              <a:t>10/18/15</a:t>
             </a:fld>
             <a:endParaRPr lang="en-US"/>
           </a:p>
@@ -2346,7 +2351,7 @@
           <a:p>
             <a:fld id="{BDC23CB4-9D80-9941-8980-33F957D66AAB}" type="datetimeFigureOut">
               <a:rPr lang="en-US" smtClean="0"/>
-              <a:t>10/16/15</a:t>
+              <a:t>10/18/15</a:t>
             </a:fld>
             <a:endParaRPr lang="en-US"/>
           </a:p>
@@ -2559,7 +2564,7 @@
           <a:p>
             <a:fld id="{BDC23CB4-9D80-9941-8980-33F957D66AAB}" type="datetimeFigureOut">
               <a:rPr lang="en-US" smtClean="0"/>
-              <a:t>10/16/15</a:t>
+              <a:t>10/18/15</a:t>
             </a:fld>
             <a:endParaRPr lang="en-US"/>
           </a:p>
@@ -3269,6 +3274,188 @@
           </a:p>
         </p:txBody>
       </p:sp>
+      <p:sp>
+        <p:nvSpPr>
+          <p:cNvPr id="10" name="TextBox 9"/>
+          <p:cNvSpPr txBox="1"/>
+          <p:nvPr/>
+        </p:nvSpPr>
+        <p:spPr>
+          <a:xfrm>
+            <a:off x="5023685" y="971597"/>
+            <a:ext cx="919039" cy="369332"/>
+          </a:xfrm>
+          <a:prstGeom prst="rect">
+            <a:avLst/>
+          </a:prstGeom>
+        </p:spPr>
+        <p:style>
+          <a:lnRef idx="2">
+            <a:schemeClr val="dk1"/>
+          </a:lnRef>
+          <a:fillRef idx="1">
+            <a:schemeClr val="lt1"/>
+          </a:fillRef>
+          <a:effectRef idx="0">
+            <a:schemeClr val="dk1"/>
+          </a:effectRef>
+          <a:fontRef idx="minor">
+            <a:schemeClr val="dk1"/>
+          </a:fontRef>
+        </p:style>
+        <p:txBody>
+          <a:bodyPr wrap="square" rtlCol="0">
+            <a:spAutoFit/>
+          </a:bodyPr>
+          <a:lstStyle/>
+          <a:p>
+            <a:r>
+              <a:rPr lang="en-US" smtClean="0"/>
+              <a:t>Driving </a:t>
+            </a:r>
+            <a:endParaRPr lang="en-US" dirty="0"/>
+          </a:p>
+        </p:txBody>
+      </p:sp>
+      <p:cxnSp>
+        <p:nvCxnSpPr>
+          <p:cNvPr id="3" name="Straight Arrow Connector 2"/>
+          <p:cNvCxnSpPr>
+            <a:stCxn id="4" idx="0"/>
+            <a:endCxn id="10" idx="2"/>
+          </p:cNvCxnSpPr>
+          <p:nvPr/>
+        </p:nvCxnSpPr>
+        <p:spPr>
+          <a:xfrm flipH="1" flipV="1">
+            <a:off x="5483205" y="1340929"/>
+            <a:ext cx="1" cy="828443"/>
+          </a:xfrm>
+          <a:prstGeom prst="straightConnector1">
+            <a:avLst/>
+          </a:prstGeom>
+          <a:ln>
+            <a:tailEnd type="triangle"/>
+          </a:ln>
+        </p:spPr>
+        <p:style>
+          <a:lnRef idx="1">
+            <a:schemeClr val="accent1"/>
+          </a:lnRef>
+          <a:fillRef idx="0">
+            <a:schemeClr val="accent1"/>
+          </a:fillRef>
+          <a:effectRef idx="0">
+            <a:schemeClr val="accent1"/>
+          </a:effectRef>
+          <a:fontRef idx="minor">
+            <a:schemeClr val="tx1"/>
+          </a:fontRef>
+        </p:style>
+      </p:cxnSp>
+      <p:sp>
+        <p:nvSpPr>
+          <p:cNvPr id="17" name="TextBox 16"/>
+          <p:cNvSpPr txBox="1"/>
+          <p:nvPr/>
+        </p:nvSpPr>
+        <p:spPr>
+          <a:xfrm>
+            <a:off x="3620221" y="1616650"/>
+            <a:ext cx="1962600" cy="276999"/>
+          </a:xfrm>
+          <a:prstGeom prst="rect">
+            <a:avLst/>
+          </a:prstGeom>
+          <a:noFill/>
+        </p:spPr>
+        <p:txBody>
+          <a:bodyPr wrap="square" rtlCol="0">
+            <a:spAutoFit/>
+          </a:bodyPr>
+          <a:lstStyle/>
+          <a:p>
+            <a:r>
+              <a:rPr lang="en-US" sz="1200" smtClean="0"/>
+              <a:t>Enemy Headquarters </a:t>
+            </a:r>
+            <a:r>
+              <a:rPr lang="en-US" sz="1200" dirty="0" smtClean="0"/>
+              <a:t>found</a:t>
+            </a:r>
+            <a:endParaRPr lang="en-US" sz="1200" dirty="0"/>
+          </a:p>
+        </p:txBody>
+      </p:sp>
+      <p:cxnSp>
+        <p:nvCxnSpPr>
+          <p:cNvPr id="13" name="Elbow Connector 12"/>
+          <p:cNvCxnSpPr>
+            <a:stCxn id="10" idx="3"/>
+          </p:cNvCxnSpPr>
+          <p:nvPr/>
+        </p:nvCxnSpPr>
+        <p:spPr>
+          <a:xfrm>
+            <a:off x="5942724" y="1156263"/>
+            <a:ext cx="95653" cy="1045068"/>
+          </a:xfrm>
+          <a:prstGeom prst="bentConnector2">
+            <a:avLst/>
+          </a:prstGeom>
+          <a:ln>
+            <a:tailEnd type="triangle"/>
+          </a:ln>
+        </p:spPr>
+        <p:style>
+          <a:lnRef idx="1">
+            <a:schemeClr val="accent1"/>
+          </a:lnRef>
+          <a:fillRef idx="0">
+            <a:schemeClr val="accent1"/>
+          </a:fillRef>
+          <a:effectRef idx="0">
+            <a:schemeClr val="accent1"/>
+          </a:effectRef>
+          <a:fontRef idx="minor">
+            <a:schemeClr val="tx1"/>
+          </a:fontRef>
+        </p:style>
+      </p:cxnSp>
+      <p:sp>
+        <p:nvSpPr>
+          <p:cNvPr id="21" name="TextBox 20"/>
+          <p:cNvSpPr txBox="1"/>
+          <p:nvPr/>
+        </p:nvSpPr>
+        <p:spPr>
+          <a:xfrm>
+            <a:off x="6015631" y="1520576"/>
+            <a:ext cx="1962600" cy="461665"/>
+          </a:xfrm>
+          <a:prstGeom prst="rect">
+            <a:avLst/>
+          </a:prstGeom>
+          <a:noFill/>
+        </p:spPr>
+        <p:txBody>
+          <a:bodyPr wrap="square" rtlCol="0">
+            <a:spAutoFit/>
+          </a:bodyPr>
+          <a:lstStyle/>
+          <a:p>
+            <a:r>
+              <a:rPr lang="en-US" sz="1200" dirty="0" smtClean="0"/>
+              <a:t>Non </a:t>
+            </a:r>
+            <a:r>
+              <a:rPr lang="en-US" sz="1200" dirty="0" smtClean="0"/>
+              <a:t>Enemy Headquarters found</a:t>
+            </a:r>
+            <a:endParaRPr lang="en-US" sz="1200" dirty="0"/>
+          </a:p>
+        </p:txBody>
+      </p:sp>
     </p:spTree>
     <p:extLst>
       <p:ext uri="{BB962C8B-B14F-4D97-AF65-F5344CB8AC3E}">
